--- a/User_Stories_Reviewed.pptx
+++ b/User_Stories_Reviewed.pptx
@@ -352,7 +352,7 @@
             <a:fld id="{1585DAA5-6BE2-467A-90B2-00E985D86198}" type="datetimeFigureOut">
               <a:rPr lang="en-AU" smtClean="0"/>
               <a:pPr/>
-              <a:t>19/08/2017</a:t>
+              <a:t>21/8/17</a:t>
             </a:fld>
             <a:endParaRPr lang="en-AU"/>
           </a:p>
@@ -519,7 +519,7 @@
             <a:fld id="{1585DAA5-6BE2-467A-90B2-00E985D86198}" type="datetimeFigureOut">
               <a:rPr lang="en-AU" smtClean="0"/>
               <a:pPr/>
-              <a:t>19/08/2017</a:t>
+              <a:t>21/8/17</a:t>
             </a:fld>
             <a:endParaRPr lang="en-AU"/>
           </a:p>
@@ -696,7 +696,7 @@
             <a:fld id="{1585DAA5-6BE2-467A-90B2-00E985D86198}" type="datetimeFigureOut">
               <a:rPr lang="en-AU" smtClean="0"/>
               <a:pPr/>
-              <a:t>19/08/2017</a:t>
+              <a:t>21/8/17</a:t>
             </a:fld>
             <a:endParaRPr lang="en-AU"/>
           </a:p>
@@ -863,7 +863,7 @@
             <a:fld id="{1585DAA5-6BE2-467A-90B2-00E985D86198}" type="datetimeFigureOut">
               <a:rPr lang="en-AU" smtClean="0"/>
               <a:pPr/>
-              <a:t>19/08/2017</a:t>
+              <a:t>21/8/17</a:t>
             </a:fld>
             <a:endParaRPr lang="en-AU"/>
           </a:p>
@@ -1106,7 +1106,7 @@
             <a:fld id="{1585DAA5-6BE2-467A-90B2-00E985D86198}" type="datetimeFigureOut">
               <a:rPr lang="en-AU" smtClean="0"/>
               <a:pPr/>
-              <a:t>19/08/2017</a:t>
+              <a:t>21/8/17</a:t>
             </a:fld>
             <a:endParaRPr lang="en-AU"/>
           </a:p>
@@ -1391,7 +1391,7 @@
             <a:fld id="{1585DAA5-6BE2-467A-90B2-00E985D86198}" type="datetimeFigureOut">
               <a:rPr lang="en-AU" smtClean="0"/>
               <a:pPr/>
-              <a:t>19/08/2017</a:t>
+              <a:t>21/8/17</a:t>
             </a:fld>
             <a:endParaRPr lang="en-AU"/>
           </a:p>
@@ -1810,7 +1810,7 @@
             <a:fld id="{1585DAA5-6BE2-467A-90B2-00E985D86198}" type="datetimeFigureOut">
               <a:rPr lang="en-AU" smtClean="0"/>
               <a:pPr/>
-              <a:t>19/08/2017</a:t>
+              <a:t>21/8/17</a:t>
             </a:fld>
             <a:endParaRPr lang="en-AU"/>
           </a:p>
@@ -1925,7 +1925,7 @@
             <a:fld id="{1585DAA5-6BE2-467A-90B2-00E985D86198}" type="datetimeFigureOut">
               <a:rPr lang="en-AU" smtClean="0"/>
               <a:pPr/>
-              <a:t>19/08/2017</a:t>
+              <a:t>21/8/17</a:t>
             </a:fld>
             <a:endParaRPr lang="en-AU"/>
           </a:p>
@@ -2017,7 +2017,7 @@
             <a:fld id="{1585DAA5-6BE2-467A-90B2-00E985D86198}" type="datetimeFigureOut">
               <a:rPr lang="en-AU" smtClean="0"/>
               <a:pPr/>
-              <a:t>19/08/2017</a:t>
+              <a:t>21/8/17</a:t>
             </a:fld>
             <a:endParaRPr lang="en-AU"/>
           </a:p>
@@ -2291,7 +2291,7 @@
             <a:fld id="{1585DAA5-6BE2-467A-90B2-00E985D86198}" type="datetimeFigureOut">
               <a:rPr lang="en-AU" smtClean="0"/>
               <a:pPr/>
-              <a:t>19/08/2017</a:t>
+              <a:t>21/8/17</a:t>
             </a:fld>
             <a:endParaRPr lang="en-AU"/>
           </a:p>
@@ -2541,7 +2541,7 @@
             <a:fld id="{1585DAA5-6BE2-467A-90B2-00E985D86198}" type="datetimeFigureOut">
               <a:rPr lang="en-AU" smtClean="0"/>
               <a:pPr/>
-              <a:t>19/08/2017</a:t>
+              <a:t>21/8/17</a:t>
             </a:fld>
             <a:endParaRPr lang="en-AU"/>
           </a:p>
@@ -2751,7 +2751,7 @@
             <a:fld id="{1585DAA5-6BE2-467A-90B2-00E985D86198}" type="datetimeFigureOut">
               <a:rPr lang="en-AU" smtClean="0"/>
               <a:pPr/>
-              <a:t>19/08/2017</a:t>
+              <a:t>21/8/17</a:t>
             </a:fld>
             <a:endParaRPr lang="en-AU"/>
           </a:p>
@@ -3376,8 +3376,21 @@
                   <a:schemeClr val="tx1"/>
                 </a:solidFill>
               </a:rPr>
-              <a:t>Story ID 9</a:t>
-            </a:r>
+              <a:t>Story </a:t>
+            </a:r>
+            <a:r>
+              <a:rPr lang="en-AU" sz="2000" dirty="0" smtClean="0">
+                <a:solidFill>
+                  <a:schemeClr val="tx1"/>
+                </a:solidFill>
+              </a:rPr>
+              <a:t>ID 09</a:t>
+            </a:r>
+            <a:endParaRPr lang="en-AU" sz="2000" dirty="0">
+              <a:solidFill>
+                <a:schemeClr val="tx1"/>
+              </a:solidFill>
+            </a:endParaRPr>
           </a:p>
         </p:txBody>
       </p:sp>
@@ -5381,13 +5394,18 @@
           <a:p>
             <a:pPr algn="ctr"/>
             <a:r>
-              <a:rPr lang="en-AU" sz="2000" dirty="0">
-                <a:solidFill>
-                  <a:schemeClr val="tx1"/>
-                </a:solidFill>
-              </a:rPr>
-              <a:t>Should</a:t>
-            </a:r>
+              <a:rPr lang="en-AU" sz="2000" smtClean="0">
+                <a:solidFill>
+                  <a:schemeClr val="tx1"/>
+                </a:solidFill>
+              </a:rPr>
+              <a:t>Won’t</a:t>
+            </a:r>
+            <a:endParaRPr lang="en-AU" sz="2000" dirty="0">
+              <a:solidFill>
+                <a:schemeClr val="tx1"/>
+              </a:solidFill>
+            </a:endParaRPr>
           </a:p>
         </p:txBody>
       </p:sp>
@@ -8241,13 +8259,26 @@
           <a:p>
             <a:pPr algn="ctr"/>
             <a:r>
-              <a:rPr lang="en-AU" sz="2000" dirty="0">
-                <a:solidFill>
-                  <a:schemeClr val="tx1"/>
-                </a:solidFill>
-              </a:rPr>
-              <a:t>Could</a:t>
-            </a:r>
+              <a:rPr lang="en-AU" sz="2000" dirty="0" smtClean="0">
+                <a:solidFill>
+                  <a:schemeClr val="tx1"/>
+                </a:solidFill>
+              </a:rPr>
+              <a:t>Sh</a:t>
+            </a:r>
+            <a:r>
+              <a:rPr lang="en-AU" sz="2000" dirty="0" smtClean="0">
+                <a:solidFill>
+                  <a:schemeClr val="tx1"/>
+                </a:solidFill>
+              </a:rPr>
+              <a:t>ould</a:t>
+            </a:r>
+            <a:endParaRPr lang="en-AU" sz="2000" dirty="0">
+              <a:solidFill>
+                <a:schemeClr val="tx1"/>
+              </a:solidFill>
+            </a:endParaRPr>
           </a:p>
         </p:txBody>
       </p:sp>
@@ -9023,8 +9054,21 @@
                   <a:schemeClr val="tx1"/>
                 </a:solidFill>
               </a:rPr>
-              <a:t>Story ID 1</a:t>
-            </a:r>
+              <a:t>Story ID </a:t>
+            </a:r>
+            <a:r>
+              <a:rPr lang="en-AU" sz="2000" dirty="0" smtClean="0">
+                <a:solidFill>
+                  <a:schemeClr val="tx1"/>
+                </a:solidFill>
+              </a:rPr>
+              <a:t>01</a:t>
+            </a:r>
+            <a:endParaRPr lang="en-AU" sz="2000" dirty="0">
+              <a:solidFill>
+                <a:schemeClr val="tx1"/>
+              </a:solidFill>
+            </a:endParaRPr>
           </a:p>
         </p:txBody>
       </p:sp>
@@ -11343,9 +11387,10 @@
           <a:p>
             <a:pPr algn="ctr"/>
             <a:r>
-              <a:rPr lang="en-AU" sz="2800" dirty="0"/>
-              <a:t>Businessmen Information Access</a:t>
-            </a:r>
+              <a:rPr lang="en-AU" sz="2800" dirty="0" smtClean="0"/>
+              <a:t>Businessman Main Page</a:t>
+            </a:r>
+            <a:endParaRPr lang="en-AU" sz="2800" dirty="0"/>
           </a:p>
         </p:txBody>
       </p:sp>
@@ -15055,8 +15100,39 @@
                 <a:ea typeface="+mn-ea"/>
                 <a:cs typeface="+mn-cs"/>
               </a:rPr>
-              <a:t>Story ID 2</a:t>
-            </a:r>
+              <a:t>Story ID </a:t>
+            </a:r>
+            <a:r>
+              <a:rPr kumimoji="0" lang="en-AU" sz="2000" b="0" i="0" u="none" strike="noStrike" kern="1200" cap="none" spc="0" normalizeH="0" baseline="0" noProof="0" dirty="0" smtClean="0">
+                <a:ln>
+                  <a:noFill/>
+                </a:ln>
+                <a:solidFill>
+                  <a:prstClr val="black"/>
+                </a:solidFill>
+                <a:effectLst/>
+                <a:uLnTx/>
+                <a:uFillTx/>
+                <a:latin typeface="Calibri"/>
+                <a:ea typeface="+mn-ea"/>
+                <a:cs typeface="+mn-cs"/>
+              </a:rPr>
+              <a:t>02</a:t>
+            </a:r>
+            <a:endParaRPr kumimoji="0" lang="en-AU" sz="2000" b="0" i="0" u="none" strike="noStrike" kern="1200" cap="none" spc="0" normalizeH="0" baseline="0" noProof="0" dirty="0">
+              <a:ln>
+                <a:noFill/>
+              </a:ln>
+              <a:solidFill>
+                <a:prstClr val="black"/>
+              </a:solidFill>
+              <a:effectLst/>
+              <a:uLnTx/>
+              <a:uFillTx/>
+              <a:latin typeface="Calibri"/>
+              <a:ea typeface="+mn-ea"/>
+              <a:cs typeface="+mn-cs"/>
+            </a:endParaRPr>
           </a:p>
         </p:txBody>
       </p:sp>
@@ -18944,13 +19020,18 @@
           <a:p>
             <a:pPr algn="ctr"/>
             <a:r>
-              <a:rPr lang="en-AU" sz="2000" dirty="0">
-                <a:solidFill>
-                  <a:schemeClr val="tx1"/>
-                </a:solidFill>
-              </a:rPr>
-              <a:t>Won’t</a:t>
-            </a:r>
+              <a:rPr lang="en-AU" sz="2000" dirty="0" smtClean="0">
+                <a:solidFill>
+                  <a:schemeClr val="tx1"/>
+                </a:solidFill>
+              </a:rPr>
+              <a:t>Must</a:t>
+            </a:r>
+            <a:endParaRPr lang="en-AU" sz="2000" dirty="0">
+              <a:solidFill>
+                <a:schemeClr val="tx1"/>
+              </a:solidFill>
+            </a:endParaRPr>
           </a:p>
         </p:txBody>
       </p:sp>
@@ -21372,8 +21453,39 @@
                 <a:ea typeface="+mn-ea"/>
                 <a:cs typeface="+mn-cs"/>
               </a:rPr>
-              <a:t>Story ID 3</a:t>
-            </a:r>
+              <a:t>Story ID </a:t>
+            </a:r>
+            <a:r>
+              <a:rPr kumimoji="0" lang="en-AU" sz="2000" b="0" i="0" u="none" strike="noStrike" kern="1200" cap="none" spc="0" normalizeH="0" baseline="0" noProof="0" dirty="0" smtClean="0">
+                <a:ln>
+                  <a:noFill/>
+                </a:ln>
+                <a:solidFill>
+                  <a:prstClr val="black"/>
+                </a:solidFill>
+                <a:effectLst/>
+                <a:uLnTx/>
+                <a:uFillTx/>
+                <a:latin typeface="Calibri"/>
+                <a:ea typeface="+mn-ea"/>
+                <a:cs typeface="+mn-cs"/>
+              </a:rPr>
+              <a:t>03</a:t>
+            </a:r>
+            <a:endParaRPr kumimoji="0" lang="en-AU" sz="2000" b="0" i="0" u="none" strike="noStrike" kern="1200" cap="none" spc="0" normalizeH="0" baseline="0" noProof="0" dirty="0">
+              <a:ln>
+                <a:noFill/>
+              </a:ln>
+              <a:solidFill>
+                <a:prstClr val="black"/>
+              </a:solidFill>
+              <a:effectLst/>
+              <a:uLnTx/>
+              <a:uFillTx/>
+              <a:latin typeface="Calibri"/>
+              <a:ea typeface="+mn-ea"/>
+              <a:cs typeface="+mn-cs"/>
+            </a:endParaRPr>
           </a:p>
         </p:txBody>
       </p:sp>
@@ -25113,8 +25225,21 @@
                   <a:schemeClr val="tx1"/>
                 </a:solidFill>
               </a:rPr>
-              <a:t>Story ID 4</a:t>
-            </a:r>
+              <a:t>Story ID </a:t>
+            </a:r>
+            <a:r>
+              <a:rPr lang="en-AU" sz="2000" dirty="0" smtClean="0">
+                <a:solidFill>
+                  <a:schemeClr val="tx1"/>
+                </a:solidFill>
+              </a:rPr>
+              <a:t>04</a:t>
+            </a:r>
+            <a:endParaRPr lang="en-AU" sz="2000" dirty="0">
+              <a:solidFill>
+                <a:schemeClr val="tx1"/>
+              </a:solidFill>
+            </a:endParaRPr>
           </a:p>
         </p:txBody>
       </p:sp>
@@ -25664,8 +25789,21 @@
                   <a:schemeClr val="tx1"/>
                 </a:solidFill>
               </a:rPr>
-              <a:t>Story ID 5</a:t>
-            </a:r>
+              <a:t>Story ID </a:t>
+            </a:r>
+            <a:r>
+              <a:rPr lang="en-AU" sz="2000" dirty="0" smtClean="0">
+                <a:solidFill>
+                  <a:schemeClr val="tx1"/>
+                </a:solidFill>
+              </a:rPr>
+              <a:t>05</a:t>
+            </a:r>
+            <a:endParaRPr lang="en-AU" sz="2000" dirty="0">
+              <a:solidFill>
+                <a:schemeClr val="tx1"/>
+              </a:solidFill>
+            </a:endParaRPr>
           </a:p>
         </p:txBody>
       </p:sp>
@@ -26245,8 +26383,21 @@
                   <a:schemeClr val="tx1"/>
                 </a:solidFill>
               </a:rPr>
-              <a:t>Story ID 6</a:t>
-            </a:r>
+              <a:t>Story ID </a:t>
+            </a:r>
+            <a:r>
+              <a:rPr lang="en-AU" sz="2000" dirty="0" smtClean="0">
+                <a:solidFill>
+                  <a:schemeClr val="tx1"/>
+                </a:solidFill>
+              </a:rPr>
+              <a:t>06</a:t>
+            </a:r>
+            <a:endParaRPr lang="en-AU" sz="2000" dirty="0">
+              <a:solidFill>
+                <a:schemeClr val="tx1"/>
+              </a:solidFill>
+            </a:endParaRPr>
           </a:p>
         </p:txBody>
       </p:sp>
@@ -26833,8 +26984,21 @@
                   <a:schemeClr val="tx1"/>
                 </a:solidFill>
               </a:rPr>
-              <a:t>Story ID 7</a:t>
-            </a:r>
+              <a:t>Story ID </a:t>
+            </a:r>
+            <a:r>
+              <a:rPr lang="en-AU" sz="2000" dirty="0" smtClean="0">
+                <a:solidFill>
+                  <a:schemeClr val="tx1"/>
+                </a:solidFill>
+              </a:rPr>
+              <a:t>07</a:t>
+            </a:r>
+            <a:endParaRPr lang="en-AU" sz="2000" dirty="0">
+              <a:solidFill>
+                <a:schemeClr val="tx1"/>
+              </a:solidFill>
+            </a:endParaRPr>
           </a:p>
         </p:txBody>
       </p:sp>
@@ -27370,8 +27534,21 @@
                   <a:schemeClr val="tx1"/>
                 </a:solidFill>
               </a:rPr>
-              <a:t>Story ID 8</a:t>
-            </a:r>
+              <a:t>Story ID </a:t>
+            </a:r>
+            <a:r>
+              <a:rPr lang="en-AU" sz="2000" dirty="0" smtClean="0">
+                <a:solidFill>
+                  <a:schemeClr val="tx1"/>
+                </a:solidFill>
+              </a:rPr>
+              <a:t>08</a:t>
+            </a:r>
+            <a:endParaRPr lang="en-AU" sz="2000" dirty="0">
+              <a:solidFill>
+                <a:schemeClr val="tx1"/>
+              </a:solidFill>
+            </a:endParaRPr>
           </a:p>
         </p:txBody>
       </p:sp>

--- a/User_Stories_Reviewed.pptx
+++ b/User_Stories_Reviewed.pptx
@@ -352,7 +352,7 @@
             <a:fld id="{1585DAA5-6BE2-467A-90B2-00E985D86198}" type="datetimeFigureOut">
               <a:rPr lang="en-AU" smtClean="0"/>
               <a:pPr/>
-              <a:t>21/8/17</a:t>
+              <a:t>22/8/17</a:t>
             </a:fld>
             <a:endParaRPr lang="en-AU"/>
           </a:p>
@@ -519,7 +519,7 @@
             <a:fld id="{1585DAA5-6BE2-467A-90B2-00E985D86198}" type="datetimeFigureOut">
               <a:rPr lang="en-AU" smtClean="0"/>
               <a:pPr/>
-              <a:t>21/8/17</a:t>
+              <a:t>22/8/17</a:t>
             </a:fld>
             <a:endParaRPr lang="en-AU"/>
           </a:p>
@@ -696,7 +696,7 @@
             <a:fld id="{1585DAA5-6BE2-467A-90B2-00E985D86198}" type="datetimeFigureOut">
               <a:rPr lang="en-AU" smtClean="0"/>
               <a:pPr/>
-              <a:t>21/8/17</a:t>
+              <a:t>22/8/17</a:t>
             </a:fld>
             <a:endParaRPr lang="en-AU"/>
           </a:p>
@@ -863,7 +863,7 @@
             <a:fld id="{1585DAA5-6BE2-467A-90B2-00E985D86198}" type="datetimeFigureOut">
               <a:rPr lang="en-AU" smtClean="0"/>
               <a:pPr/>
-              <a:t>21/8/17</a:t>
+              <a:t>22/8/17</a:t>
             </a:fld>
             <a:endParaRPr lang="en-AU"/>
           </a:p>
@@ -1106,7 +1106,7 @@
             <a:fld id="{1585DAA5-6BE2-467A-90B2-00E985D86198}" type="datetimeFigureOut">
               <a:rPr lang="en-AU" smtClean="0"/>
               <a:pPr/>
-              <a:t>21/8/17</a:t>
+              <a:t>22/8/17</a:t>
             </a:fld>
             <a:endParaRPr lang="en-AU"/>
           </a:p>
@@ -1391,7 +1391,7 @@
             <a:fld id="{1585DAA5-6BE2-467A-90B2-00E985D86198}" type="datetimeFigureOut">
               <a:rPr lang="en-AU" smtClean="0"/>
               <a:pPr/>
-              <a:t>21/8/17</a:t>
+              <a:t>22/8/17</a:t>
             </a:fld>
             <a:endParaRPr lang="en-AU"/>
           </a:p>
@@ -1810,7 +1810,7 @@
             <a:fld id="{1585DAA5-6BE2-467A-90B2-00E985D86198}" type="datetimeFigureOut">
               <a:rPr lang="en-AU" smtClean="0"/>
               <a:pPr/>
-              <a:t>21/8/17</a:t>
+              <a:t>22/8/17</a:t>
             </a:fld>
             <a:endParaRPr lang="en-AU"/>
           </a:p>
@@ -1925,7 +1925,7 @@
             <a:fld id="{1585DAA5-6BE2-467A-90B2-00E985D86198}" type="datetimeFigureOut">
               <a:rPr lang="en-AU" smtClean="0"/>
               <a:pPr/>
-              <a:t>21/8/17</a:t>
+              <a:t>22/8/17</a:t>
             </a:fld>
             <a:endParaRPr lang="en-AU"/>
           </a:p>
@@ -2017,7 +2017,7 @@
             <a:fld id="{1585DAA5-6BE2-467A-90B2-00E985D86198}" type="datetimeFigureOut">
               <a:rPr lang="en-AU" smtClean="0"/>
               <a:pPr/>
-              <a:t>21/8/17</a:t>
+              <a:t>22/8/17</a:t>
             </a:fld>
             <a:endParaRPr lang="en-AU"/>
           </a:p>
@@ -2291,7 +2291,7 @@
             <a:fld id="{1585DAA5-6BE2-467A-90B2-00E985D86198}" type="datetimeFigureOut">
               <a:rPr lang="en-AU" smtClean="0"/>
               <a:pPr/>
-              <a:t>21/8/17</a:t>
+              <a:t>22/8/17</a:t>
             </a:fld>
             <a:endParaRPr lang="en-AU"/>
           </a:p>
@@ -2541,7 +2541,7 @@
             <a:fld id="{1585DAA5-6BE2-467A-90B2-00E985D86198}" type="datetimeFigureOut">
               <a:rPr lang="en-AU" smtClean="0"/>
               <a:pPr/>
-              <a:t>21/8/17</a:t>
+              <a:t>22/8/17</a:t>
             </a:fld>
             <a:endParaRPr lang="en-AU"/>
           </a:p>
@@ -2751,7 +2751,7 @@
             <a:fld id="{1585DAA5-6BE2-467A-90B2-00E985D86198}" type="datetimeFigureOut">
               <a:rPr lang="en-AU" smtClean="0"/>
               <a:pPr/>
-              <a:t>21/8/17</a:t>
+              <a:t>22/8/17</a:t>
             </a:fld>
             <a:endParaRPr lang="en-AU"/>
           </a:p>
@@ -8264,15 +8264,7 @@
                   <a:schemeClr val="tx1"/>
                 </a:solidFill>
               </a:rPr>
-              <a:t>Sh</a:t>
-            </a:r>
-            <a:r>
-              <a:rPr lang="en-AU" sz="2000" dirty="0" smtClean="0">
-                <a:solidFill>
-                  <a:schemeClr val="tx1"/>
-                </a:solidFill>
-              </a:rPr>
-              <a:t>ould</a:t>
+              <a:t>Should</a:t>
             </a:r>
             <a:endParaRPr lang="en-AU" sz="2000" dirty="0">
               <a:solidFill>
